--- a/pwani_stats/week1/day4/presentation/day4.Lesson1.Risk_Rates_Person-time.pptx
+++ b/pwani_stats/week1/day4/presentation/day4.Lesson1.Risk_Rates_Person-time.pptx
@@ -213,7 +213,7 @@
             <a:fld id="{2BBC8FCE-25B9-0D4F-991D-419DEB923717}" type="datetimeFigureOut">
               <a:rPr lang="en-US" smtClean="0"/>
               <a:pPr/>
-              <a:t>2/6/14</a:t>
+              <a:t>2/6/2014</a:t>
             </a:fld>
             <a:endParaRPr lang="en-US"/>
           </a:p>
@@ -1547,7 +1547,7 @@
             <a:fld id="{96C0F6C5-13AF-5344-8599-0340DA71D00B}" type="datetimeFigureOut">
               <a:rPr lang="en-US" smtClean="0"/>
               <a:pPr/>
-              <a:t>2/6/14</a:t>
+              <a:t>2/6/2014</a:t>
             </a:fld>
             <a:endParaRPr lang="en-US"/>
           </a:p>
@@ -1714,7 +1714,7 @@
             <a:fld id="{96C0F6C5-13AF-5344-8599-0340DA71D00B}" type="datetimeFigureOut">
               <a:rPr lang="en-US" smtClean="0"/>
               <a:pPr/>
-              <a:t>2/6/14</a:t>
+              <a:t>2/6/2014</a:t>
             </a:fld>
             <a:endParaRPr lang="en-US"/>
           </a:p>
@@ -1891,7 +1891,7 @@
             <a:fld id="{96C0F6C5-13AF-5344-8599-0340DA71D00B}" type="datetimeFigureOut">
               <a:rPr lang="en-US" smtClean="0"/>
               <a:pPr/>
-              <a:t>2/6/14</a:t>
+              <a:t>2/6/2014</a:t>
             </a:fld>
             <a:endParaRPr lang="en-US"/>
           </a:p>
@@ -2058,7 +2058,7 @@
             <a:fld id="{96C0F6C5-13AF-5344-8599-0340DA71D00B}" type="datetimeFigureOut">
               <a:rPr lang="en-US" smtClean="0"/>
               <a:pPr/>
-              <a:t>2/6/14</a:t>
+              <a:t>2/6/2014</a:t>
             </a:fld>
             <a:endParaRPr lang="en-US"/>
           </a:p>
@@ -2301,7 +2301,7 @@
             <a:fld id="{96C0F6C5-13AF-5344-8599-0340DA71D00B}" type="datetimeFigureOut">
               <a:rPr lang="en-US" smtClean="0"/>
               <a:pPr/>
-              <a:t>2/6/14</a:t>
+              <a:t>2/6/2014</a:t>
             </a:fld>
             <a:endParaRPr lang="en-US"/>
           </a:p>
@@ -2586,7 +2586,7 @@
             <a:fld id="{96C0F6C5-13AF-5344-8599-0340DA71D00B}" type="datetimeFigureOut">
               <a:rPr lang="en-US" smtClean="0"/>
               <a:pPr/>
-              <a:t>2/6/14</a:t>
+              <a:t>2/6/2014</a:t>
             </a:fld>
             <a:endParaRPr lang="en-US"/>
           </a:p>
@@ -3005,7 +3005,7 @@
             <a:fld id="{96C0F6C5-13AF-5344-8599-0340DA71D00B}" type="datetimeFigureOut">
               <a:rPr lang="en-US" smtClean="0"/>
               <a:pPr/>
-              <a:t>2/6/14</a:t>
+              <a:t>2/6/2014</a:t>
             </a:fld>
             <a:endParaRPr lang="en-US"/>
           </a:p>
@@ -3120,7 +3120,7 @@
             <a:fld id="{96C0F6C5-13AF-5344-8599-0340DA71D00B}" type="datetimeFigureOut">
               <a:rPr lang="en-US" smtClean="0"/>
               <a:pPr/>
-              <a:t>2/6/14</a:t>
+              <a:t>2/6/2014</a:t>
             </a:fld>
             <a:endParaRPr lang="en-US"/>
           </a:p>
@@ -3212,7 +3212,7 @@
             <a:fld id="{96C0F6C5-13AF-5344-8599-0340DA71D00B}" type="datetimeFigureOut">
               <a:rPr lang="en-US" smtClean="0"/>
               <a:pPr/>
-              <a:t>2/6/14</a:t>
+              <a:t>2/6/2014</a:t>
             </a:fld>
             <a:endParaRPr lang="en-US"/>
           </a:p>
@@ -3486,7 +3486,7 @@
             <a:fld id="{96C0F6C5-13AF-5344-8599-0340DA71D00B}" type="datetimeFigureOut">
               <a:rPr lang="en-US" smtClean="0"/>
               <a:pPr/>
-              <a:t>2/6/14</a:t>
+              <a:t>2/6/2014</a:t>
             </a:fld>
             <a:endParaRPr lang="en-US"/>
           </a:p>
@@ -3736,7 +3736,7 @@
             <a:fld id="{96C0F6C5-13AF-5344-8599-0340DA71D00B}" type="datetimeFigureOut">
               <a:rPr lang="en-US" smtClean="0"/>
               <a:pPr/>
-              <a:t>2/6/14</a:t>
+              <a:t>2/6/2014</a:t>
             </a:fld>
             <a:endParaRPr lang="en-US"/>
           </a:p>
@@ -3946,7 +3946,7 @@
             <a:fld id="{96C0F6C5-13AF-5344-8599-0340DA71D00B}" type="datetimeFigureOut">
               <a:rPr lang="en-US" smtClean="0"/>
               <a:pPr/>
-              <a:t>2/6/14</a:t>
+              <a:t>2/6/2014</a:t>
             </a:fld>
             <a:endParaRPr lang="en-US"/>
           </a:p>
@@ -4382,7 +4382,7 @@
   <p:timing>
     <p:tnLst>
       <p:par>
-        <p:cTn xmlns:p14="http://schemas.microsoft.com/office/powerpoint/2010/main" id="1" dur="indefinite" restart="never" nodeType="tmRoot"/>
+        <p:cTn id="1" dur="indefinite" restart="never" nodeType="tmRoot"/>
       </p:par>
     </p:tnLst>
   </p:timing>
@@ -4593,7 +4593,7 @@
           <a:graphicData uri="http://schemas.openxmlformats.org/presentationml/2006/ole">
             <mc:AlternateContent xmlns:mc="http://schemas.openxmlformats.org/markup-compatibility/2006">
               <mc:Choice xmlns:v="urn:schemas-microsoft-com:vml" Requires="v">
-                <p:oleObj spid="_x0000_s37893" name="Equation" r:id="rId3" imgW="3454400" imgH="177800" progId="Equation.3">
+                <p:oleObj spid="_x0000_s37895" name="Equation" r:id="rId3" imgW="3454400" imgH="177800" progId="Equation.3">
                   <p:embed/>
                 </p:oleObj>
               </mc:Choice>
@@ -4631,7 +4631,7 @@
                       </a:prstGeom>
                       <a:noFill/>
                       <a:extLst>
-                        <a:ext uri="{909E8E84-426E-40dd-AFC4-6F175D3DCCD1}">
+                        <a:ext uri="{909E8E84-426E-40DD-AFC4-6F175D3DCCD1}">
                           <a14:hiddenFill xmlns:a14="http://schemas.microsoft.com/office/drawing/2010/main">
                             <a:solidFill>
                               <a:srgbClr val="FFFFFF"/>
@@ -4663,7 +4663,7 @@
           <a:graphicData uri="http://schemas.openxmlformats.org/presentationml/2006/ole">
             <mc:AlternateContent xmlns:mc="http://schemas.openxmlformats.org/markup-compatibility/2006">
               <mc:Choice xmlns:v="urn:schemas-microsoft-com:vml" Requires="v">
-                <p:oleObj spid="_x0000_s37894" name="Equation" r:id="rId5" imgW="3048000" imgH="393700" progId="Equation.3">
+                <p:oleObj spid="_x0000_s37896" name="Equation" r:id="rId5" imgW="3048000" imgH="393700" progId="Equation.3">
                   <p:embed/>
                 </p:oleObj>
               </mc:Choice>
@@ -4701,7 +4701,7 @@
                       </a:prstGeom>
                       <a:noFill/>
                       <a:extLst>
-                        <a:ext uri="{909E8E84-426E-40dd-AFC4-6F175D3DCCD1}">
+                        <a:ext uri="{909E8E84-426E-40DD-AFC4-6F175D3DCCD1}">
                           <a14:hiddenFill xmlns:a14="http://schemas.microsoft.com/office/drawing/2010/main">
                             <a:solidFill>
                               <a:srgbClr val="FFFFFF"/>
@@ -4755,7 +4755,7 @@
   <p:timing>
     <p:tnLst>
       <p:par>
-        <p:cTn xmlns:p14="http://schemas.microsoft.com/office/powerpoint/2010/main" id="1" dur="indefinite" restart="never" nodeType="tmRoot"/>
+        <p:cTn id="1" dur="indefinite" restart="never" nodeType="tmRoot"/>
       </p:par>
     </p:tnLst>
   </p:timing>
@@ -4903,7 +4903,7 @@
           <a:graphicData uri="http://schemas.openxmlformats.org/presentationml/2006/ole">
             <mc:AlternateContent xmlns:mc="http://schemas.openxmlformats.org/markup-compatibility/2006">
               <mc:Choice xmlns:v="urn:schemas-microsoft-com:vml" Requires="v">
-                <p:oleObj spid="_x0000_s28679" name="Equation" r:id="rId4" imgW="2933700" imgH="406400" progId="Equation.3">
+                <p:oleObj spid="_x0000_s28682" name="Equation" r:id="rId4" imgW="2933700" imgH="406400" progId="Equation.3">
                   <p:embed/>
                 </p:oleObj>
               </mc:Choice>
@@ -4941,7 +4941,7 @@
                       </a:prstGeom>
                       <a:noFill/>
                       <a:extLst>
-                        <a:ext uri="{909E8E84-426E-40dd-AFC4-6F175D3DCCD1}">
+                        <a:ext uri="{909E8E84-426E-40DD-AFC4-6F175D3DCCD1}">
                           <a14:hiddenFill xmlns:a14="http://schemas.microsoft.com/office/drawing/2010/main">
                             <a:solidFill>
                               <a:srgbClr val="FFFFFF"/>
@@ -4973,7 +4973,7 @@
           <a:graphicData uri="http://schemas.openxmlformats.org/presentationml/2006/ole">
             <mc:AlternateContent xmlns:mc="http://schemas.openxmlformats.org/markup-compatibility/2006">
               <mc:Choice xmlns:v="urn:schemas-microsoft-com:vml" Requires="v">
-                <p:oleObj spid="_x0000_s28680" name="Equation" r:id="rId6" imgW="1206500" imgH="381000" progId="Equation.3">
+                <p:oleObj spid="_x0000_s28683" name="Equation" r:id="rId6" imgW="1206500" imgH="381000" progId="Equation.3">
                   <p:embed/>
                 </p:oleObj>
               </mc:Choice>
@@ -5011,7 +5011,7 @@
                       </a:prstGeom>
                       <a:noFill/>
                       <a:extLst>
-                        <a:ext uri="{909E8E84-426E-40dd-AFC4-6F175D3DCCD1}">
+                        <a:ext uri="{909E8E84-426E-40DD-AFC4-6F175D3DCCD1}">
                           <a14:hiddenFill xmlns:a14="http://schemas.microsoft.com/office/drawing/2010/main">
                             <a:solidFill>
                               <a:srgbClr val="FFFFFF"/>
@@ -5043,7 +5043,7 @@
           <a:graphicData uri="http://schemas.openxmlformats.org/presentationml/2006/ole">
             <mc:AlternateContent xmlns:mc="http://schemas.openxmlformats.org/markup-compatibility/2006">
               <mc:Choice xmlns:v="urn:schemas-microsoft-com:vml" Requires="v">
-                <p:oleObj spid="_x0000_s28681" name="Equation" r:id="rId8" imgW="2641600" imgH="381000" progId="Equation.3">
+                <p:oleObj spid="_x0000_s28684" name="Equation" r:id="rId8" imgW="2641600" imgH="381000" progId="Equation.3">
                   <p:embed/>
                 </p:oleObj>
               </mc:Choice>
@@ -5081,7 +5081,7 @@
                       </a:prstGeom>
                       <a:noFill/>
                       <a:extLst>
-                        <a:ext uri="{909E8E84-426E-40dd-AFC4-6F175D3DCCD1}">
+                        <a:ext uri="{909E8E84-426E-40DD-AFC4-6F175D3DCCD1}">
                           <a14:hiddenFill xmlns:a14="http://schemas.microsoft.com/office/drawing/2010/main">
                             <a:solidFill>
                               <a:srgbClr val="FFFFFF"/>
@@ -5105,7 +5105,7 @@
   <p:timing>
     <p:tnLst>
       <p:par>
-        <p:cTn xmlns:p14="http://schemas.microsoft.com/office/powerpoint/2010/main" id="1" dur="indefinite" restart="never" nodeType="tmRoot"/>
+        <p:cTn id="1" dur="indefinite" restart="never" nodeType="tmRoot"/>
       </p:par>
     </p:tnLst>
   </p:timing>
@@ -5253,7 +5253,7 @@
           <a:graphicData uri="http://schemas.openxmlformats.org/presentationml/2006/ole">
             <mc:AlternateContent xmlns:mc="http://schemas.openxmlformats.org/markup-compatibility/2006">
               <mc:Choice xmlns:v="urn:schemas-microsoft-com:vml" Requires="v">
-                <p:oleObj spid="_x0000_s40967" name="Equation" r:id="rId4" imgW="2933700" imgH="406400" progId="Equation.3">
+                <p:oleObj spid="_x0000_s40971" name="Equation" r:id="rId4" imgW="2933700" imgH="406400" progId="Equation.3">
                   <p:embed/>
                 </p:oleObj>
               </mc:Choice>
@@ -5291,7 +5291,7 @@
                       </a:prstGeom>
                       <a:noFill/>
                       <a:extLst>
-                        <a:ext uri="{909E8E84-426E-40dd-AFC4-6F175D3DCCD1}">
+                        <a:ext uri="{909E8E84-426E-40DD-AFC4-6F175D3DCCD1}">
                           <a14:hiddenFill xmlns:a14="http://schemas.microsoft.com/office/drawing/2010/main">
                             <a:solidFill>
                               <a:srgbClr val="FFFFFF"/>
@@ -5323,7 +5323,7 @@
           <a:graphicData uri="http://schemas.openxmlformats.org/presentationml/2006/ole">
             <mc:AlternateContent xmlns:mc="http://schemas.openxmlformats.org/markup-compatibility/2006">
               <mc:Choice xmlns:v="urn:schemas-microsoft-com:vml" Requires="v">
-                <p:oleObj spid="_x0000_s40968" name="Equation" r:id="rId6" imgW="1206500" imgH="381000" progId="Equation.3">
+                <p:oleObj spid="_x0000_s40972" name="Equation" r:id="rId6" imgW="1206500" imgH="381000" progId="Equation.3">
                   <p:embed/>
                 </p:oleObj>
               </mc:Choice>
@@ -5361,7 +5361,7 @@
                       </a:prstGeom>
                       <a:noFill/>
                       <a:extLst>
-                        <a:ext uri="{909E8E84-426E-40dd-AFC4-6F175D3DCCD1}">
+                        <a:ext uri="{909E8E84-426E-40DD-AFC4-6F175D3DCCD1}">
                           <a14:hiddenFill xmlns:a14="http://schemas.microsoft.com/office/drawing/2010/main">
                             <a:solidFill>
                               <a:srgbClr val="FFFFFF"/>
@@ -5393,7 +5393,7 @@
           <a:graphicData uri="http://schemas.openxmlformats.org/presentationml/2006/ole">
             <mc:AlternateContent xmlns:mc="http://schemas.openxmlformats.org/markup-compatibility/2006">
               <mc:Choice xmlns:v="urn:schemas-microsoft-com:vml" Requires="v">
-                <p:oleObj spid="_x0000_s40969" name="Equation" r:id="rId8" imgW="2641600" imgH="381000" progId="Equation.3">
+                <p:oleObj spid="_x0000_s40973" name="Equation" r:id="rId8" imgW="2641600" imgH="381000" progId="Equation.3">
                   <p:embed/>
                 </p:oleObj>
               </mc:Choice>
@@ -5431,7 +5431,7 @@
                       </a:prstGeom>
                       <a:noFill/>
                       <a:extLst>
-                        <a:ext uri="{909E8E84-426E-40dd-AFC4-6F175D3DCCD1}">
+                        <a:ext uri="{909E8E84-426E-40DD-AFC4-6F175D3DCCD1}">
                           <a14:hiddenFill xmlns:a14="http://schemas.microsoft.com/office/drawing/2010/main">
                             <a:solidFill>
                               <a:srgbClr val="FFFFFF"/>
@@ -5499,7 +5499,7 @@
           <a:graphicData uri="http://schemas.openxmlformats.org/presentationml/2006/ole">
             <mc:AlternateContent xmlns:mc="http://schemas.openxmlformats.org/markup-compatibility/2006">
               <mc:Choice xmlns:v="urn:schemas-microsoft-com:vml" Requires="v">
-                <p:oleObj spid="_x0000_s40970" name="Equation" r:id="rId10" imgW="3746500" imgH="406400" progId="Equation.3">
+                <p:oleObj spid="_x0000_s40974" name="Equation" r:id="rId10" imgW="3746500" imgH="406400" progId="Equation.3">
                   <p:embed/>
                 </p:oleObj>
               </mc:Choice>
@@ -5537,7 +5537,7 @@
                       </a:prstGeom>
                       <a:noFill/>
                       <a:extLst>
-                        <a:ext uri="{909E8E84-426E-40dd-AFC4-6F175D3DCCD1}">
+                        <a:ext uri="{909E8E84-426E-40DD-AFC4-6F175D3DCCD1}">
                           <a14:hiddenFill xmlns:a14="http://schemas.microsoft.com/office/drawing/2010/main">
                             <a:solidFill>
                               <a:srgbClr val="FFFFFF"/>
@@ -5597,7 +5597,7 @@
   <p:timing>
     <p:tnLst>
       <p:par>
-        <p:cTn xmlns:p14="http://schemas.microsoft.com/office/powerpoint/2010/main" id="1" dur="indefinite" restart="never" nodeType="tmRoot"/>
+        <p:cTn id="1" dur="indefinite" restart="never" nodeType="tmRoot"/>
       </p:par>
     </p:tnLst>
   </p:timing>
@@ -5745,7 +5745,7 @@
           <a:graphicData uri="http://schemas.openxmlformats.org/presentationml/2006/ole">
             <mc:AlternateContent xmlns:mc="http://schemas.openxmlformats.org/markup-compatibility/2006">
               <mc:Choice xmlns:v="urn:schemas-microsoft-com:vml" Requires="v">
-                <p:oleObj spid="_x0000_s45063" name="Equation" r:id="rId4" imgW="2933700" imgH="406400" progId="Equation.3">
+                <p:oleObj spid="_x0000_s45067" name="Equation" r:id="rId4" imgW="2933700" imgH="406400" progId="Equation.3">
                   <p:embed/>
                 </p:oleObj>
               </mc:Choice>
@@ -5783,7 +5783,7 @@
                       </a:prstGeom>
                       <a:noFill/>
                       <a:extLst>
-                        <a:ext uri="{909E8E84-426E-40dd-AFC4-6F175D3DCCD1}">
+                        <a:ext uri="{909E8E84-426E-40DD-AFC4-6F175D3DCCD1}">
                           <a14:hiddenFill xmlns:a14="http://schemas.microsoft.com/office/drawing/2010/main">
                             <a:solidFill>
                               <a:srgbClr val="FFFFFF"/>
@@ -5815,7 +5815,7 @@
           <a:graphicData uri="http://schemas.openxmlformats.org/presentationml/2006/ole">
             <mc:AlternateContent xmlns:mc="http://schemas.openxmlformats.org/markup-compatibility/2006">
               <mc:Choice xmlns:v="urn:schemas-microsoft-com:vml" Requires="v">
-                <p:oleObj spid="_x0000_s45064" name="Equation" r:id="rId6" imgW="1206500" imgH="381000" progId="Equation.3">
+                <p:oleObj spid="_x0000_s45068" name="Equation" r:id="rId6" imgW="1206500" imgH="381000" progId="Equation.3">
                   <p:embed/>
                 </p:oleObj>
               </mc:Choice>
@@ -5853,7 +5853,7 @@
                       </a:prstGeom>
                       <a:noFill/>
                       <a:extLst>
-                        <a:ext uri="{909E8E84-426E-40dd-AFC4-6F175D3DCCD1}">
+                        <a:ext uri="{909E8E84-426E-40DD-AFC4-6F175D3DCCD1}">
                           <a14:hiddenFill xmlns:a14="http://schemas.microsoft.com/office/drawing/2010/main">
                             <a:solidFill>
                               <a:srgbClr val="FFFFFF"/>
@@ -5885,7 +5885,7 @@
           <a:graphicData uri="http://schemas.openxmlformats.org/presentationml/2006/ole">
             <mc:AlternateContent xmlns:mc="http://schemas.openxmlformats.org/markup-compatibility/2006">
               <mc:Choice xmlns:v="urn:schemas-microsoft-com:vml" Requires="v">
-                <p:oleObj spid="_x0000_s45065" name="Equation" r:id="rId8" imgW="2641600" imgH="381000" progId="Equation.3">
+                <p:oleObj spid="_x0000_s45069" name="Equation" r:id="rId8" imgW="2641600" imgH="381000" progId="Equation.3">
                   <p:embed/>
                 </p:oleObj>
               </mc:Choice>
@@ -5923,7 +5923,7 @@
                       </a:prstGeom>
                       <a:noFill/>
                       <a:extLst>
-                        <a:ext uri="{909E8E84-426E-40dd-AFC4-6F175D3DCCD1}">
+                        <a:ext uri="{909E8E84-426E-40DD-AFC4-6F175D3DCCD1}">
                           <a14:hiddenFill xmlns:a14="http://schemas.microsoft.com/office/drawing/2010/main">
                             <a:solidFill>
                               <a:srgbClr val="FFFFFF"/>
@@ -5991,7 +5991,7 @@
           <a:graphicData uri="http://schemas.openxmlformats.org/presentationml/2006/ole">
             <mc:AlternateContent xmlns:mc="http://schemas.openxmlformats.org/markup-compatibility/2006">
               <mc:Choice xmlns:v="urn:schemas-microsoft-com:vml" Requires="v">
-                <p:oleObj spid="_x0000_s45066" name="Equation" r:id="rId10" imgW="3746500" imgH="406400" progId="Equation.3">
+                <p:oleObj spid="_x0000_s45070" name="Equation" r:id="rId10" imgW="3746500" imgH="406400" progId="Equation.3">
                   <p:embed/>
                 </p:oleObj>
               </mc:Choice>
@@ -6029,7 +6029,7 @@
                       </a:prstGeom>
                       <a:noFill/>
                       <a:extLst>
-                        <a:ext uri="{909E8E84-426E-40dd-AFC4-6F175D3DCCD1}">
+                        <a:ext uri="{909E8E84-426E-40DD-AFC4-6F175D3DCCD1}">
                           <a14:hiddenFill xmlns:a14="http://schemas.microsoft.com/office/drawing/2010/main">
                             <a:solidFill>
                               <a:srgbClr val="FFFFFF"/>
@@ -6158,7 +6158,7 @@
   <p:timing>
     <p:tnLst>
       <p:par>
-        <p:cTn xmlns:p14="http://schemas.microsoft.com/office/powerpoint/2010/main" id="1" dur="indefinite" restart="never" nodeType="tmRoot"/>
+        <p:cTn id="1" dur="indefinite" restart="never" nodeType="tmRoot"/>
       </p:par>
     </p:tnLst>
   </p:timing>
@@ -6232,7 +6232,7 @@
   <p:timing>
     <p:tnLst>
       <p:par>
-        <p:cTn xmlns:p14="http://schemas.microsoft.com/office/powerpoint/2010/main" id="1" dur="indefinite" restart="never" nodeType="tmRoot"/>
+        <p:cTn id="1" dur="indefinite" restart="never" nodeType="tmRoot"/>
       </p:par>
     </p:tnLst>
   </p:timing>
@@ -6336,7 +6336,7 @@
   <p:timing>
     <p:tnLst>
       <p:par>
-        <p:cTn xmlns:p14="http://schemas.microsoft.com/office/powerpoint/2010/main" id="1" dur="indefinite" restart="never" nodeType="tmRoot"/>
+        <p:cTn id="1" dur="indefinite" restart="never" nodeType="tmRoot"/>
       </p:par>
     </p:tnLst>
   </p:timing>
@@ -6450,7 +6450,7 @@
           <a:graphicData uri="http://schemas.openxmlformats.org/presentationml/2006/ole">
             <mc:AlternateContent xmlns:mc="http://schemas.openxmlformats.org/markup-compatibility/2006">
               <mc:Choice xmlns:v="urn:schemas-microsoft-com:vml" Requires="v">
-                <p:oleObj spid="_x0000_s38917" name="Equation" r:id="rId4" imgW="2120900" imgH="444500" progId="Equation.3">
+                <p:oleObj spid="_x0000_s38919" name="Equation" r:id="rId4" imgW="2120900" imgH="444500" progId="Equation.3">
                   <p:embed/>
                 </p:oleObj>
               </mc:Choice>
@@ -6488,7 +6488,7 @@
                       </a:prstGeom>
                       <a:noFill/>
                       <a:extLst>
-                        <a:ext uri="{909E8E84-426E-40dd-AFC4-6F175D3DCCD1}">
+                        <a:ext uri="{909E8E84-426E-40DD-AFC4-6F175D3DCCD1}">
                           <a14:hiddenFill xmlns:a14="http://schemas.microsoft.com/office/drawing/2010/main">
                             <a:solidFill>
                               <a:srgbClr val="FFFFFF"/>
@@ -6520,7 +6520,7 @@
           <a:graphicData uri="http://schemas.openxmlformats.org/presentationml/2006/ole">
             <mc:AlternateContent xmlns:mc="http://schemas.openxmlformats.org/markup-compatibility/2006">
               <mc:Choice xmlns:v="urn:schemas-microsoft-com:vml" Requires="v">
-                <p:oleObj spid="_x0000_s38918" name="Equation" r:id="rId6" imgW="1473200" imgH="177800" progId="Equation.3">
+                <p:oleObj spid="_x0000_s38920" name="Equation" r:id="rId6" imgW="1473200" imgH="177800" progId="Equation.3">
                   <p:embed/>
                 </p:oleObj>
               </mc:Choice>
@@ -6558,7 +6558,7 @@
                       </a:prstGeom>
                       <a:noFill/>
                       <a:extLst>
-                        <a:ext uri="{909E8E84-426E-40dd-AFC4-6F175D3DCCD1}">
+                        <a:ext uri="{909E8E84-426E-40DD-AFC4-6F175D3DCCD1}">
                           <a14:hiddenFill xmlns:a14="http://schemas.microsoft.com/office/drawing/2010/main">
                             <a:solidFill>
                               <a:srgbClr val="FFFFFF"/>
@@ -6640,7 +6640,7 @@
           <a:graphicData uri="http://schemas.openxmlformats.org/presentationml/2006/ole">
             <mc:AlternateContent xmlns:mc="http://schemas.openxmlformats.org/markup-compatibility/2006">
               <mc:Choice xmlns:v="urn:schemas-microsoft-com:vml" Requires="v">
-                <p:oleObj spid="_x0000_s33797" name="Equation" r:id="rId3" imgW="2184400" imgH="393700" progId="Equation.3">
+                <p:oleObj spid="_x0000_s33799" name="Equation" r:id="rId3" imgW="2184400" imgH="393700" progId="Equation.3">
                   <p:embed/>
                 </p:oleObj>
               </mc:Choice>
@@ -6678,7 +6678,7 @@
                       </a:prstGeom>
                       <a:noFill/>
                       <a:extLst>
-                        <a:ext uri="{909E8E84-426E-40dd-AFC4-6F175D3DCCD1}">
+                        <a:ext uri="{909E8E84-426E-40DD-AFC4-6F175D3DCCD1}">
                           <a14:hiddenFill xmlns:a14="http://schemas.microsoft.com/office/drawing/2010/main">
                             <a:solidFill>
                               <a:srgbClr val="FFFFFF"/>
@@ -6710,7 +6710,7 @@
           <a:graphicData uri="http://schemas.openxmlformats.org/presentationml/2006/ole">
             <mc:AlternateContent xmlns:mc="http://schemas.openxmlformats.org/markup-compatibility/2006">
               <mc:Choice xmlns:v="urn:schemas-microsoft-com:vml" Requires="v">
-                <p:oleObj spid="_x0000_s33798" name="Equation" r:id="rId5" imgW="2260600" imgH="228600" progId="Equation.3">
+                <p:oleObj spid="_x0000_s33800" name="Equation" r:id="rId5" imgW="2260600" imgH="228600" progId="Equation.3">
                   <p:embed/>
                 </p:oleObj>
               </mc:Choice>
@@ -6748,7 +6748,7 @@
                       </a:prstGeom>
                       <a:noFill/>
                       <a:extLst>
-                        <a:ext uri="{909E8E84-426E-40dd-AFC4-6F175D3DCCD1}">
+                        <a:ext uri="{909E8E84-426E-40DD-AFC4-6F175D3DCCD1}">
                           <a14:hiddenFill xmlns:a14="http://schemas.microsoft.com/office/drawing/2010/main">
                             <a:solidFill>
                               <a:srgbClr val="FFFFFF"/>
@@ -6830,7 +6830,7 @@
           <a:graphicData uri="http://schemas.openxmlformats.org/presentationml/2006/ole">
             <mc:AlternateContent xmlns:mc="http://schemas.openxmlformats.org/markup-compatibility/2006">
               <mc:Choice xmlns:v="urn:schemas-microsoft-com:vml" Requires="v">
-                <p:oleObj spid="_x0000_s34821" name="Equation" r:id="rId3" imgW="2946400" imgH="177800" progId="Equation.3">
+                <p:oleObj spid="_x0000_s34823" name="Equation" r:id="rId3" imgW="2946400" imgH="177800" progId="Equation.3">
                   <p:embed/>
                 </p:oleObj>
               </mc:Choice>
@@ -6868,7 +6868,7 @@
                       </a:prstGeom>
                       <a:noFill/>
                       <a:extLst>
-                        <a:ext uri="{909E8E84-426E-40dd-AFC4-6F175D3DCCD1}">
+                        <a:ext uri="{909E8E84-426E-40DD-AFC4-6F175D3DCCD1}">
                           <a14:hiddenFill xmlns:a14="http://schemas.microsoft.com/office/drawing/2010/main">
                             <a:solidFill>
                               <a:srgbClr val="FFFFFF"/>
@@ -6906,7 +6906,7 @@
           <a:graphicData uri="http://schemas.openxmlformats.org/presentationml/2006/ole">
             <mc:AlternateContent xmlns:mc="http://schemas.openxmlformats.org/markup-compatibility/2006">
               <mc:Choice xmlns:v="urn:schemas-microsoft-com:vml" Requires="v">
-                <p:oleObj spid="_x0000_s34822" name="Equation" r:id="rId5" imgW="2362200" imgH="241300" progId="Equation.3">
+                <p:oleObj spid="_x0000_s34824" name="Equation" r:id="rId5" imgW="2362200" imgH="241300" progId="Equation.3">
                   <p:embed/>
                 </p:oleObj>
               </mc:Choice>
@@ -6938,7 +6938,7 @@
                       </a:prstGeom>
                       <a:noFill/>
                       <a:extLst>
-                        <a:ext uri="{909E8E84-426E-40dd-AFC4-6F175D3DCCD1}">
+                        <a:ext uri="{909E8E84-426E-40DD-AFC4-6F175D3DCCD1}">
                           <a14:hiddenFill xmlns:a14="http://schemas.microsoft.com/office/drawing/2010/main">
                             <a:solidFill>
                               <a:srgbClr val="FFFFFF"/>
@@ -7018,7 +7018,7 @@
           <a:graphicData uri="http://schemas.openxmlformats.org/presentationml/2006/ole">
             <mc:AlternateContent xmlns:mc="http://schemas.openxmlformats.org/markup-compatibility/2006">
               <mc:Choice xmlns:v="urn:schemas-microsoft-com:vml" Requires="v">
-                <p:oleObj spid="_x0000_s43012" name="Equation" r:id="rId4" imgW="1562100" imgH="393700" progId="Equation.3">
+                <p:oleObj spid="_x0000_s43013" name="Equation" r:id="rId4" imgW="1562100" imgH="393700" progId="Equation.3">
                   <p:embed/>
                 </p:oleObj>
               </mc:Choice>
@@ -7056,7 +7056,7 @@
                       </a:prstGeom>
                       <a:noFill/>
                       <a:extLst>
-                        <a:ext uri="{909E8E84-426E-40dd-AFC4-6F175D3DCCD1}">
+                        <a:ext uri="{909E8E84-426E-40DD-AFC4-6F175D3DCCD1}">
                           <a14:hiddenFill xmlns:a14="http://schemas.microsoft.com/office/drawing/2010/main">
                             <a:solidFill>
                               <a:srgbClr val="FFFFFF"/>
@@ -7584,11 +7584,7 @@
             </a:r>
             <a:r>
               <a:rPr lang="en-US" sz="2400" dirty="0" smtClean="0"/>
-              <a:t>of death in the five </a:t>
-            </a:r>
-            <a:r>
-              <a:rPr lang="en-US" sz="2400" dirty="0" smtClean="0"/>
-              <a:t>year</a:t>
+              <a:t>of death in the five year</a:t>
             </a:r>
           </a:p>
           <a:p>
@@ -7597,11 +7593,7 @@
             </a:pPr>
             <a:r>
               <a:rPr lang="en-US" sz="2400" dirty="0" smtClean="0"/>
-              <a:t>following diagnosis </a:t>
-            </a:r>
-            <a:r>
-              <a:rPr lang="en-US" sz="2400" dirty="0" smtClean="0"/>
-              <a:t>of prostate cancer</a:t>
+              <a:t>following diagnosis of prostate cancer</a:t>
             </a:r>
           </a:p>
           <a:p>
@@ -7890,7 +7882,15 @@
             </a:pPr>
             <a:r>
               <a:rPr lang="en-US" sz="2400" dirty="0" smtClean="0"/>
-              <a:t>are lost to follow-up of the follow-up period ends, whichever happens first</a:t>
+              <a:t>are lost to follow-up </a:t>
+            </a:r>
+            <a:r>
+              <a:rPr lang="en-US" sz="2400" dirty="0" smtClean="0"/>
+              <a:t>or </a:t>
+            </a:r>
+            <a:r>
+              <a:rPr lang="en-US" sz="2400" dirty="0" smtClean="0"/>
+              <a:t>the follow-up period ends, whichever happens first</a:t>
             </a:r>
           </a:p>
         </p:txBody>
@@ -9282,7 +9282,7 @@
   <p:timing>
     <p:tnLst>
       <p:par>
-        <p:cTn xmlns:p14="http://schemas.microsoft.com/office/powerpoint/2010/main" id="1" dur="indefinite" restart="never" nodeType="tmRoot"/>
+        <p:cTn id="1" dur="indefinite" restart="never" nodeType="tmRoot"/>
       </p:par>
     </p:tnLst>
   </p:timing>
@@ -9393,7 +9393,15 @@
             </a:pPr>
             <a:r>
               <a:rPr lang="en-US" sz="2400" dirty="0" smtClean="0"/>
-              <a:t>are lost to follow-up of the follow-up period ends, whichever happens first</a:t>
+              <a:t>are lost to follow-up </a:t>
+            </a:r>
+            <a:r>
+              <a:rPr lang="en-US" sz="2400" dirty="0" smtClean="0"/>
+              <a:t>or the </a:t>
+            </a:r>
+            <a:r>
+              <a:rPr lang="en-US" sz="2400" dirty="0" smtClean="0"/>
+              <a:t>follow-up period ends, whichever happens first</a:t>
             </a:r>
           </a:p>
         </p:txBody>
@@ -9460,7 +9468,7 @@
   <p:timing>
     <p:tnLst>
       <p:par>
-        <p:cTn xmlns:p14="http://schemas.microsoft.com/office/powerpoint/2010/main" id="1" dur="indefinite" restart="never" nodeType="tmRoot"/>
+        <p:cTn id="1" dur="indefinite" restart="never" nodeType="tmRoot"/>
       </p:par>
     </p:tnLst>
   </p:timing>
@@ -9624,7 +9632,7 @@
   <p:timing>
     <p:tnLst>
       <p:par>
-        <p:cTn xmlns:p14="http://schemas.microsoft.com/office/powerpoint/2010/main" id="1" dur="indefinite" restart="never" nodeType="tmRoot"/>
+        <p:cTn id="1" dur="indefinite" restart="never" nodeType="tmRoot"/>
       </p:par>
     </p:tnLst>
   </p:timing>
